--- a/doc/SurePark_ADS_3team.pptx
+++ b/doc/SurePark_ADS_3team.pptx
@@ -295,7 +295,7 @@
               <a:pPr>
                 <a:defRPr/>
               </a:pPr>
-              <a:t>2016-05-10</a:t>
+              <a:t>2016-05-16</a:t>
             </a:fld>
             <a:endParaRPr lang="ko-KR" altLang="en-US"/>
           </a:p>
@@ -514,7 +514,7 @@
               <a:pPr>
                 <a:defRPr/>
               </a:pPr>
-              <a:t>2016-05-10</a:t>
+              <a:t>2016-05-16</a:t>
             </a:fld>
             <a:endParaRPr lang="ko-KR" altLang="en-US"/>
           </a:p>
@@ -1943,21 +1943,21 @@
           <p:nvPr>
             <p:extLst>
               <p:ext uri="{D42A27DB-BD31-4B8C-83A1-F6EECF244321}">
-                <p14:modId xmlns:p14="http://schemas.microsoft.com/office/powerpoint/2010/main" val="2061098863"/>
+                <p14:modId xmlns:p14="http://schemas.microsoft.com/office/powerpoint/2010/main" val="1401752120"/>
               </p:ext>
             </p:extLst>
           </p:nvPr>
         </p:nvGraphicFramePr>
         <p:xfrm>
-          <a:off x="3296816" y="4149080"/>
-          <a:ext cx="3456384" cy="738172"/>
+          <a:off x="3008784" y="5373216"/>
+          <a:ext cx="3888432" cy="838182"/>
         </p:xfrm>
         <a:graphic>
           <a:graphicData uri="http://schemas.openxmlformats.org/drawingml/2006/table">
             <a:tbl>
               <a:tblPr/>
               <a:tblGrid>
-                <a:gridCol w="3456384"/>
+                <a:gridCol w="3888432"/>
               </a:tblGrid>
               <a:tr h="380982">
                 <a:tc>
@@ -2080,7 +2080,54 @@
                           <a:latin typeface="+mn-ea"/>
                           <a:ea typeface="+mn-ea"/>
                         </a:rPr>
-                        <a:t> Lee(Team Leader)</a:t>
+                        <a:t> Lee(Team Leader</a:t>
+                      </a:r>
+                      <a:r>
+                        <a:rPr lang="en-US" altLang="ko-KR" sz="1200" b="1" baseline="0" dirty="0" smtClean="0">
+                          <a:latin typeface="+mn-ea"/>
+                          <a:ea typeface="+mn-ea"/>
+                        </a:rPr>
+                        <a:t>)</a:t>
+                      </a:r>
+                    </a:p>
+                    <a:p>
+                      <a:pPr marL="0" marR="0" indent="0" algn="l" defTabSz="914400" rtl="0" eaLnBrk="1" fontAlgn="auto" latinLnBrk="1" hangingPunct="1">
+                        <a:lnSpc>
+                          <a:spcPct val="100000"/>
+                        </a:lnSpc>
+                        <a:spcBef>
+                          <a:spcPts val="0"/>
+                        </a:spcBef>
+                        <a:spcAft>
+                          <a:spcPts val="0"/>
+                        </a:spcAft>
+                        <a:buClrTx/>
+                        <a:buSzTx/>
+                        <a:buFontTx/>
+                        <a:buNone/>
+                        <a:tabLst/>
+                        <a:defRPr/>
+                      </a:pPr>
+                      <a:r>
+                        <a:rPr lang="en-US" altLang="ko-KR" sz="1200" b="1" baseline="0" dirty="0" smtClean="0">
+                          <a:latin typeface="+mn-ea"/>
+                          <a:ea typeface="+mn-ea"/>
+                        </a:rPr>
+                        <a:t>Jack Oh, Charles Park, Joan Kim, </a:t>
+                      </a:r>
+                      <a:r>
+                        <a:rPr lang="en-US" altLang="ko-KR" sz="1200" b="1" baseline="0" dirty="0" err="1" smtClean="0">
+                          <a:latin typeface="+mn-ea"/>
+                          <a:ea typeface="+mn-ea"/>
+                        </a:rPr>
+                        <a:t>Jeaheon</a:t>
+                      </a:r>
+                      <a:r>
+                        <a:rPr lang="en-US" altLang="ko-KR" sz="1200" b="1" baseline="0" dirty="0" smtClean="0">
+                          <a:latin typeface="+mn-ea"/>
+                          <a:ea typeface="+mn-ea"/>
+                        </a:rPr>
+                        <a:t> Kim</a:t>
                       </a:r>
                       <a:endParaRPr lang="ko-KR" altLang="en-US" sz="1200" b="1" dirty="0">
                         <a:latin typeface="+mn-ea"/>
